--- a/Principles of Psychology (SS2300)/Assignment/2/Dissociative Identity.pptx
+++ b/Principles of Psychology (SS2300)/Assignment/2/Dissociative Identity.pptx
@@ -8,6 +8,8 @@
     <p:sldId id="256" r:id="rId2"/>
     <p:sldId id="257" r:id="rId3"/>
     <p:sldId id="258" r:id="rId4"/>
+    <p:sldId id="259" r:id="rId5"/>
+    <p:sldId id="260" r:id="rId6"/>
   </p:sldIdLst>
   <p:sldSz cx="12192000" cy="6858000"/>
   <p:notesSz cx="6858000" cy="9144000"/>
@@ -7703,6 +7705,13 @@
   <p:clrMapOvr>
     <a:masterClrMapping/>
   </p:clrMapOvr>
+  <p:timing>
+    <p:tnLst>
+      <p:par>
+        <p:cTn id="1" dur="indefinite" restart="never" nodeType="tmRoot"/>
+      </p:par>
+    </p:tnLst>
+  </p:timing>
 </p:sld>
 </file>
 
@@ -7838,6 +7847,13 @@
   <p:clrMapOvr>
     <a:masterClrMapping/>
   </p:clrMapOvr>
+  <p:timing>
+    <p:tnLst>
+      <p:par>
+        <p:cTn id="1" dur="indefinite" restart="never" nodeType="tmRoot"/>
+      </p:par>
+    </p:tnLst>
+  </p:timing>
 </p:sld>
 </file>
 
@@ -7858,6 +7874,120 @@
           <a:chExt cx="0" cy="0"/>
         </a:xfrm>
       </p:grpSpPr>
+      <p:sp>
+        <p:nvSpPr>
+          <p:cNvPr id="5" name="Title 4"/>
+          <p:cNvSpPr>
+            <a:spLocks noGrp="1"/>
+          </p:cNvSpPr>
+          <p:nvPr>
+            <p:ph type="title"/>
+          </p:nvPr>
+        </p:nvSpPr>
+        <p:spPr>
+          <a:xfrm>
+            <a:off x="7704676" y="670376"/>
+            <a:ext cx="3505199" cy="976312"/>
+          </a:xfrm>
+        </p:spPr>
+        <p:txBody>
+          <a:bodyPr/>
+          <a:lstStyle/>
+          <a:p>
+            <a:r>
+              <a:rPr lang="en-US" b="1" dirty="0"/>
+              <a:t>Who </a:t>
+            </a:r>
+            <a:r>
+              <a:rPr lang="en-US" b="1" dirty="0"/>
+              <a:t>i</a:t>
+            </a:r>
+            <a:r>
+              <a:rPr lang="en-US" b="1" dirty="0" smtClean="0"/>
+              <a:t>s </a:t>
+            </a:r>
+            <a:r>
+              <a:rPr lang="en-US" b="1" dirty="0"/>
+              <a:t>a</a:t>
+            </a:r>
+            <a:r>
+              <a:rPr lang="en-US" b="1" dirty="0" smtClean="0"/>
+              <a:t>t </a:t>
+            </a:r>
+            <a:r>
+              <a:rPr lang="en-US" b="1" dirty="0"/>
+              <a:t>Risk for DID?</a:t>
+            </a:r>
+            <a:br>
+              <a:rPr lang="en-US" b="1" dirty="0"/>
+            </a:br>
+            <a:endParaRPr lang="en-US" dirty="0"/>
+          </a:p>
+        </p:txBody>
+      </p:sp>
+      <p:pic>
+        <p:nvPicPr>
+          <p:cNvPr id="8" name="Content Placeholder 7"/>
+          <p:cNvPicPr>
+            <a:picLocks noGrp="1" noChangeAspect="1"/>
+          </p:cNvPicPr>
+          <p:nvPr>
+            <p:ph idx="1"/>
+          </p:nvPr>
+        </p:nvPicPr>
+        <p:blipFill>
+          <a:blip r:embed="rId2">
+            <a:extLst>
+              <a:ext uri="{28A0092B-C50C-407E-A947-70E740481C1C}">
+                <a14:useLocalDpi xmlns:a14="http://schemas.microsoft.com/office/drawing/2010/main" val="0"/>
+              </a:ext>
+            </a:extLst>
+          </a:blip>
+          <a:stretch>
+            <a:fillRect/>
+          </a:stretch>
+        </p:blipFill>
+        <p:spPr>
+          <a:xfrm>
+            <a:off x="1502376" y="1388852"/>
+            <a:ext cx="5575358" cy="3943502"/>
+          </a:xfrm>
+        </p:spPr>
+      </p:pic>
+      <p:sp>
+        <p:nvSpPr>
+          <p:cNvPr id="7" name="Text Placeholder 6"/>
+          <p:cNvSpPr>
+            <a:spLocks noGrp="1"/>
+          </p:cNvSpPr>
+          <p:nvPr>
+            <p:ph type="body" sz="half" idx="2"/>
+          </p:nvPr>
+        </p:nvSpPr>
+        <p:spPr>
+          <a:xfrm>
+            <a:off x="7704676" y="1822901"/>
+            <a:ext cx="3505199" cy="4262436"/>
+          </a:xfrm>
+        </p:spPr>
+        <p:txBody>
+          <a:bodyPr>
+            <a:normAutofit/>
+          </a:bodyPr>
+          <a:lstStyle/>
+          <a:p>
+            <a:r>
+              <a:rPr lang="en-US" dirty="0"/>
+              <a:t>Research indicates that the cause of DID is likely a psychological response to interpersonal and environmental stresses, particularly during early childhood years when emotional neglect or abuse may interfere with personality development. As many as 99% of individuals who develop dissociative disorders have recognized personal histories of recurring, overpowering, and often life-threatening disturbances or traumas at a sensitive developmental stage of childhood (usually before age 6</a:t>
+            </a:r>
+            <a:r>
+              <a:rPr lang="en-US" dirty="0" smtClean="0"/>
+              <a:t>).</a:t>
+            </a:r>
+            <a:endParaRPr lang="en-US" dirty="0"/>
+          </a:p>
+        </p:txBody>
+      </p:sp>
     </p:spTree>
     <p:extLst>
       <p:ext uri="{BB962C8B-B14F-4D97-AF65-F5344CB8AC3E}">
@@ -7868,6 +7998,442 @@
   <p:clrMapOvr>
     <a:masterClrMapping/>
   </p:clrMapOvr>
+  <p:timing>
+    <p:tnLst>
+      <p:par>
+        <p:cTn id="1" dur="indefinite" restart="never" nodeType="tmRoot"/>
+      </p:par>
+    </p:tnLst>
+  </p:timing>
+</p:sld>
+</file>
+
+<file path=ppt/slides/slide4.xml><?xml version="1.0" encoding="utf-8"?>
+<p:sld xmlns:a="http://schemas.openxmlformats.org/drawingml/2006/main" xmlns:r="http://schemas.openxmlformats.org/officeDocument/2006/relationships" xmlns:p="http://schemas.openxmlformats.org/presentationml/2006/main">
+  <p:cSld>
+    <p:spTree>
+      <p:nvGrpSpPr>
+        <p:cNvPr id="1" name=""/>
+        <p:cNvGrpSpPr/>
+        <p:nvPr/>
+      </p:nvGrpSpPr>
+      <p:grpSpPr>
+        <a:xfrm>
+          <a:off x="0" y="0"/>
+          <a:ext cx="0" cy="0"/>
+          <a:chOff x="0" y="0"/>
+          <a:chExt cx="0" cy="0"/>
+        </a:xfrm>
+      </p:grpSpPr>
+      <p:sp>
+        <p:nvSpPr>
+          <p:cNvPr id="2" name="Title 1"/>
+          <p:cNvSpPr>
+            <a:spLocks noGrp="1"/>
+          </p:cNvSpPr>
+          <p:nvPr>
+            <p:ph type="title"/>
+          </p:nvPr>
+        </p:nvSpPr>
+        <p:spPr>
+          <a:xfrm>
+            <a:off x="2589212" y="446088"/>
+            <a:ext cx="6925724" cy="976312"/>
+          </a:xfrm>
+        </p:spPr>
+        <p:txBody>
+          <a:bodyPr>
+            <a:normAutofit fontScale="90000"/>
+          </a:bodyPr>
+          <a:lstStyle/>
+          <a:p>
+            <a:r>
+              <a:rPr lang="en-US" b="1" dirty="0"/>
+              <a:t>What's the Treatment Plan for Dissociative Identity Disorder?</a:t>
+            </a:r>
+            <a:br>
+              <a:rPr lang="en-US" b="1" dirty="0"/>
+            </a:br>
+            <a:endParaRPr lang="en-US" dirty="0"/>
+          </a:p>
+        </p:txBody>
+      </p:sp>
+      <p:pic>
+        <p:nvPicPr>
+          <p:cNvPr id="5" name="Content Placeholder 4"/>
+          <p:cNvPicPr>
+            <a:picLocks noGrp="1" noChangeAspect="1"/>
+          </p:cNvPicPr>
+          <p:nvPr>
+            <p:ph idx="1"/>
+          </p:nvPr>
+        </p:nvPicPr>
+        <p:blipFill>
+          <a:blip r:embed="rId2">
+            <a:extLst>
+              <a:ext uri="{28A0092B-C50C-407E-A947-70E740481C1C}">
+                <a14:useLocalDpi xmlns:a14="http://schemas.microsoft.com/office/drawing/2010/main" val="0"/>
+              </a:ext>
+            </a:extLst>
+          </a:blip>
+          <a:stretch>
+            <a:fillRect/>
+          </a:stretch>
+        </p:blipFill>
+        <p:spPr>
+          <a:xfrm>
+            <a:off x="6323013" y="2214142"/>
+            <a:ext cx="5181600" cy="3458416"/>
+          </a:xfrm>
+        </p:spPr>
+      </p:pic>
+      <p:sp>
+        <p:nvSpPr>
+          <p:cNvPr id="4" name="Text Placeholder 3"/>
+          <p:cNvSpPr>
+            <a:spLocks noGrp="1"/>
+          </p:cNvSpPr>
+          <p:nvPr>
+            <p:ph type="body" sz="half" idx="2"/>
+          </p:nvPr>
+        </p:nvSpPr>
+        <p:spPr>
+          <a:xfrm>
+            <a:off x="1958196" y="1598613"/>
+            <a:ext cx="4136216" cy="4690044"/>
+          </a:xfrm>
+        </p:spPr>
+        <p:txBody>
+          <a:bodyPr>
+            <a:normAutofit lnSpcReduction="10000"/>
+          </a:bodyPr>
+          <a:lstStyle/>
+          <a:p>
+            <a:r>
+              <a:rPr lang="en-US" dirty="0"/>
+              <a:t>Psychotherapy is the primary </a:t>
+            </a:r>
+            <a:r>
+              <a:rPr lang="en-US" b="1" dirty="0"/>
+              <a:t>treatment</a:t>
+            </a:r>
+            <a:r>
+              <a:rPr lang="en-US" dirty="0"/>
+              <a:t> for </a:t>
+            </a:r>
+            <a:r>
+              <a:rPr lang="en-US" b="1" dirty="0"/>
+              <a:t>dissociative disorders</a:t>
+            </a:r>
+            <a:r>
+              <a:rPr lang="en-US" dirty="0"/>
+              <a:t>. This form of </a:t>
+            </a:r>
+            <a:r>
+              <a:rPr lang="en-US" b="1" dirty="0"/>
+              <a:t>therapy</a:t>
+            </a:r>
+            <a:r>
+              <a:rPr lang="en-US" dirty="0"/>
+              <a:t>, also known as talk </a:t>
+            </a:r>
+            <a:r>
+              <a:rPr lang="en-US" b="1" dirty="0"/>
+              <a:t>therapy</a:t>
+            </a:r>
+            <a:r>
+              <a:rPr lang="en-US" dirty="0"/>
+              <a:t>, counseling or psychosocial </a:t>
+            </a:r>
+            <a:r>
+              <a:rPr lang="en-US" b="1" dirty="0"/>
+              <a:t>therapy</a:t>
+            </a:r>
+            <a:r>
+              <a:rPr lang="en-US" dirty="0"/>
+              <a:t>, involves talking about your </a:t>
+            </a:r>
+            <a:r>
+              <a:rPr lang="en-US" b="1" dirty="0"/>
+              <a:t>disorder</a:t>
+            </a:r>
+            <a:r>
+              <a:rPr lang="en-US" dirty="0"/>
+              <a:t> and related issues with a mental </a:t>
+            </a:r>
+            <a:r>
+              <a:rPr lang="en-US" dirty="0" smtClean="0"/>
+              <a:t>health </a:t>
+            </a:r>
+            <a:r>
+              <a:rPr lang="en-US" dirty="0"/>
+              <a:t>professional</a:t>
+            </a:r>
+            <a:r>
+              <a:rPr lang="en-US" dirty="0" smtClean="0"/>
+              <a:t>.</a:t>
+            </a:r>
+          </a:p>
+          <a:p>
+            <a:r>
+              <a:rPr lang="en-US" dirty="0" smtClean="0"/>
+              <a:t>There are main three type of treatment.</a:t>
+            </a:r>
+          </a:p>
+          <a:p>
+            <a:r>
+              <a:rPr lang="en-US" b="1" dirty="0" smtClean="0"/>
+              <a:t>Psychotherapy: </a:t>
+            </a:r>
+            <a:r>
+              <a:rPr lang="en-US" dirty="0" smtClean="0"/>
+              <a:t>treatment </a:t>
+            </a:r>
+            <a:r>
+              <a:rPr lang="en-US" dirty="0"/>
+              <a:t>of mental or emotional disorder or of related bodily ills by psychological</a:t>
+            </a:r>
+            <a:r>
+              <a:rPr lang="en-US" b="1" dirty="0" smtClean="0"/>
+              <a:t>.</a:t>
+            </a:r>
+          </a:p>
+          <a:p>
+            <a:r>
+              <a:rPr lang="en-US" b="1" dirty="0" smtClean="0"/>
+              <a:t>Hypnotherapy</a:t>
+            </a:r>
+            <a:r>
+              <a:rPr lang="en-US" b="1" dirty="0"/>
+              <a:t>: </a:t>
+            </a:r>
+            <a:r>
+              <a:rPr lang="en-US" dirty="0"/>
+              <a:t>treatment by hypnotism</a:t>
+            </a:r>
+            <a:r>
+              <a:rPr lang="en-US" b="1" dirty="0"/>
+              <a:t>.</a:t>
+            </a:r>
+            <a:endParaRPr lang="en-US" b="1" dirty="0" smtClean="0"/>
+          </a:p>
+          <a:p>
+            <a:r>
+              <a:rPr lang="en-US" b="1" dirty="0"/>
+              <a:t>Adjunctive </a:t>
+            </a:r>
+            <a:r>
+              <a:rPr lang="en-US" b="1" dirty="0" smtClean="0"/>
+              <a:t>therapy: </a:t>
+            </a:r>
+            <a:r>
+              <a:rPr lang="en-US" dirty="0"/>
+              <a:t>Another </a:t>
+            </a:r>
+            <a:r>
+              <a:rPr lang="en-US" b="1" dirty="0"/>
+              <a:t>treatment</a:t>
+            </a:r>
+            <a:r>
+              <a:rPr lang="en-US" dirty="0"/>
+              <a:t> used together with the primary </a:t>
+            </a:r>
+            <a:r>
+              <a:rPr lang="en-US" b="1" dirty="0"/>
+              <a:t>treatment</a:t>
+            </a:r>
+            <a:r>
+              <a:rPr lang="en-US" dirty="0"/>
+              <a:t>. Its purpose is to assist the primary </a:t>
+            </a:r>
+            <a:r>
+              <a:rPr lang="en-US" b="1" dirty="0"/>
+              <a:t>treatment</a:t>
+            </a:r>
+            <a:r>
+              <a:rPr lang="en-US" dirty="0"/>
+              <a:t>. Also called </a:t>
+            </a:r>
+            <a:r>
+              <a:rPr lang="en-US" b="1" dirty="0"/>
+              <a:t>adjunctive therapy</a:t>
+            </a:r>
+            <a:r>
+              <a:rPr lang="en-US" dirty="0"/>
+              <a:t>.</a:t>
+            </a:r>
+            <a:r>
+              <a:rPr lang="en-US" b="1" dirty="0" smtClean="0"/>
+              <a:t>.</a:t>
+            </a:r>
+          </a:p>
+          <a:p>
+            <a:r>
+              <a:rPr lang="en-US" dirty="0"/>
+              <a:t>There are no established </a:t>
+            </a:r>
+            <a:r>
+              <a:rPr lang="en-US" dirty="0" smtClean="0">
+                <a:hlinkClick r:id="rId3"/>
+              </a:rPr>
+              <a:t>medication</a:t>
+            </a:r>
+            <a:r>
+              <a:rPr lang="en-US" dirty="0"/>
+              <a:t> </a:t>
+            </a:r>
+            <a:r>
+              <a:rPr lang="en-US" dirty="0" smtClean="0"/>
+              <a:t>treatments </a:t>
+            </a:r>
+            <a:r>
+              <a:rPr lang="en-US" dirty="0"/>
+              <a:t>for dissociative identity disorder, making psychologically-based approaches the mainstay of therapy.</a:t>
+            </a:r>
+            <a:endParaRPr lang="en-US" dirty="0"/>
+          </a:p>
+        </p:txBody>
+      </p:sp>
+    </p:spTree>
+    <p:extLst>
+      <p:ext uri="{BB962C8B-B14F-4D97-AF65-F5344CB8AC3E}">
+        <p14:creationId xmlns:p14="http://schemas.microsoft.com/office/powerpoint/2010/main" val="852616582"/>
+      </p:ext>
+    </p:extLst>
+  </p:cSld>
+  <p:clrMapOvr>
+    <a:masterClrMapping/>
+  </p:clrMapOvr>
+  <p:timing>
+    <p:tnLst>
+      <p:par>
+        <p:cTn id="1" dur="indefinite" restart="never" nodeType="tmRoot"/>
+      </p:par>
+    </p:tnLst>
+  </p:timing>
+</p:sld>
+</file>
+
+<file path=ppt/slides/slide5.xml><?xml version="1.0" encoding="utf-8"?>
+<p:sld xmlns:a="http://schemas.openxmlformats.org/drawingml/2006/main" xmlns:r="http://schemas.openxmlformats.org/officeDocument/2006/relationships" xmlns:p="http://schemas.openxmlformats.org/presentationml/2006/main">
+  <p:cSld>
+    <p:spTree>
+      <p:nvGrpSpPr>
+        <p:cNvPr id="1" name=""/>
+        <p:cNvGrpSpPr/>
+        <p:nvPr/>
+      </p:nvGrpSpPr>
+      <p:grpSpPr>
+        <a:xfrm>
+          <a:off x="0" y="0"/>
+          <a:ext cx="0" cy="0"/>
+          <a:chOff x="0" y="0"/>
+          <a:chExt cx="0" cy="0"/>
+        </a:xfrm>
+      </p:grpSpPr>
+      <p:pic>
+        <p:nvPicPr>
+          <p:cNvPr id="5" name="Content Placeholder 4"/>
+          <p:cNvPicPr>
+            <a:picLocks noGrp="1" noChangeAspect="1"/>
+          </p:cNvPicPr>
+          <p:nvPr>
+            <p:ph idx="1"/>
+          </p:nvPr>
+        </p:nvPicPr>
+        <p:blipFill>
+          <a:blip r:embed="rId2">
+            <a:extLst>
+              <a:ext uri="{28A0092B-C50C-407E-A947-70E740481C1C}">
+                <a14:useLocalDpi xmlns:a14="http://schemas.microsoft.com/office/drawing/2010/main" val="0"/>
+              </a:ext>
+            </a:extLst>
+          </a:blip>
+          <a:stretch>
+            <a:fillRect/>
+          </a:stretch>
+        </p:blipFill>
+        <p:spPr>
+          <a:xfrm>
+            <a:off x="1719823" y="319177"/>
+            <a:ext cx="9730344" cy="5668784"/>
+          </a:xfrm>
+        </p:spPr>
+      </p:pic>
+      <p:sp>
+        <p:nvSpPr>
+          <p:cNvPr id="4" name="Text Placeholder 3"/>
+          <p:cNvSpPr>
+            <a:spLocks noGrp="1"/>
+          </p:cNvSpPr>
+          <p:nvPr>
+            <p:ph type="body" sz="half" idx="2"/>
+          </p:nvPr>
+        </p:nvSpPr>
+        <p:spPr>
+          <a:xfrm>
+            <a:off x="3174521" y="1690777"/>
+            <a:ext cx="7267602" cy="2925584"/>
+          </a:xfrm>
+        </p:spPr>
+        <p:txBody>
+          <a:bodyPr anchor="ctr">
+            <a:noAutofit/>
+          </a:bodyPr>
+          <a:lstStyle/>
+          <a:p>
+            <a:pPr algn="ctr"/>
+            <a:r>
+              <a:rPr lang="en-US" sz="9600" dirty="0" smtClean="0">
+                <a:solidFill>
+                  <a:schemeClr val="bg1"/>
+                </a:solidFill>
+                <a:effectLst>
+                  <a:outerShdw blurRad="38100" dist="38100" dir="2700000" algn="tl">
+                    <a:srgbClr val="000000">
+                      <a:alpha val="43137"/>
+                    </a:srgbClr>
+                  </a:outerShdw>
+                </a:effectLst>
+                <a:latin typeface="Blackadder ITC" panose="04020505051007020D02" pitchFamily="82" charset="0"/>
+                <a:ea typeface="Adobe Fangsong Std R" panose="02020400000000000000" pitchFamily="18" charset="-128"/>
+              </a:rPr>
+              <a:t>Thank you</a:t>
+            </a:r>
+            <a:endParaRPr lang="en-US" sz="9600" dirty="0">
+              <a:solidFill>
+                <a:schemeClr val="bg1"/>
+              </a:solidFill>
+              <a:effectLst>
+                <a:outerShdw blurRad="38100" dist="38100" dir="2700000" algn="tl">
+                  <a:srgbClr val="000000">
+                    <a:alpha val="43137"/>
+                  </a:srgbClr>
+                </a:outerShdw>
+              </a:effectLst>
+              <a:latin typeface="Blackadder ITC" panose="04020505051007020D02" pitchFamily="82" charset="0"/>
+              <a:ea typeface="Adobe Fangsong Std R" panose="02020400000000000000" pitchFamily="18" charset="-128"/>
+            </a:endParaRPr>
+          </a:p>
+        </p:txBody>
+      </p:sp>
+    </p:spTree>
+    <p:extLst>
+      <p:ext uri="{BB962C8B-B14F-4D97-AF65-F5344CB8AC3E}">
+        <p14:creationId xmlns:p14="http://schemas.microsoft.com/office/powerpoint/2010/main" val="1667776845"/>
+      </p:ext>
+    </p:extLst>
+  </p:cSld>
+  <p:clrMapOvr>
+    <a:masterClrMapping/>
+  </p:clrMapOvr>
+  <p:timing>
+    <p:tnLst>
+      <p:par>
+        <p:cTn id="1" dur="indefinite" restart="never" nodeType="tmRoot"/>
+      </p:par>
+    </p:tnLst>
+  </p:timing>
 </p:sld>
 </file>
 
